--- a/Introduction/课堂展示/项目计划.pptx
+++ b/Introduction/课堂展示/项目计划.pptx
@@ -135,10 +135,6 @@
     </p:ext>
   </p:extLst>
 </p:presentation>
-</file>
-
-<file path=ppt/revisionInfo.xml><?xml version="1.0" encoding="utf-8"?>
-<p1510:revInfo xmlns:a="http://schemas.openxmlformats.org/drawingml/2006/main" xmlns:r="http://schemas.openxmlformats.org/officeDocument/2006/relationships" xmlns:p1510="http://schemas.microsoft.com/office/powerpoint/2015/10/main"/>
 </file>
 
 <file path=ppt/diagrams/colors1.xml><?xml version="1.0" encoding="utf-8"?>
@@ -10598,9 +10594,10 @@
             <a:buNone/>
           </a:pPr>
           <a:r>
-            <a:rPr lang="zh-CN" altLang="en-US" sz="3200" kern="1200" dirty="0"/>
+            <a:rPr lang="zh-CN" sz="3200" kern="1200" dirty="0"/>
             <a:t>游戏设计</a:t>
           </a:r>
+          <a:endParaRPr lang="zh-CN" altLang="en-US" sz="3200" kern="1200" dirty="0"/>
         </a:p>
       </dsp:txBody>
       <dsp:txXfrm>
@@ -29342,7 +29339,7 @@
           <a:p>
             <a:fld id="{C15A8F9B-DAE6-4885-8680-AD544A57EFA6}" type="datetimeFigureOut">
               <a:rPr lang="zh-CN" altLang="en-US" smtClean="0"/>
-              <a:t>2017/11/1</a:t>
+              <a:t>2017/11/12</a:t>
             </a:fld>
             <a:endParaRPr lang="zh-CN" altLang="en-US"/>
           </a:p>
@@ -30089,7 +30086,7 @@
           <a:p>
             <a:fld id="{4052178D-7029-4E5A-BDE7-7463B093413C}" type="datetimeFigureOut">
               <a:rPr lang="zh-CN" altLang="en-US" smtClean="0"/>
-              <a:t>2017/11/1</a:t>
+              <a:t>2017/11/12</a:t>
             </a:fld>
             <a:endParaRPr lang="zh-CN" altLang="en-US"/>
           </a:p>
@@ -30287,7 +30284,7 @@
           <a:p>
             <a:fld id="{4052178D-7029-4E5A-BDE7-7463B093413C}" type="datetimeFigureOut">
               <a:rPr lang="zh-CN" altLang="en-US" smtClean="0"/>
-              <a:t>2017/11/1</a:t>
+              <a:t>2017/11/12</a:t>
             </a:fld>
             <a:endParaRPr lang="zh-CN" altLang="en-US"/>
           </a:p>
@@ -30495,7 +30492,7 @@
           <a:p>
             <a:fld id="{4052178D-7029-4E5A-BDE7-7463B093413C}" type="datetimeFigureOut">
               <a:rPr lang="zh-CN" altLang="en-US" smtClean="0"/>
-              <a:t>2017/11/1</a:t>
+              <a:t>2017/11/12</a:t>
             </a:fld>
             <a:endParaRPr lang="zh-CN" altLang="en-US"/>
           </a:p>
@@ -30693,7 +30690,7 @@
           <a:p>
             <a:fld id="{4052178D-7029-4E5A-BDE7-7463B093413C}" type="datetimeFigureOut">
               <a:rPr lang="zh-CN" altLang="en-US" smtClean="0"/>
-              <a:t>2017/11/1</a:t>
+              <a:t>2017/11/12</a:t>
             </a:fld>
             <a:endParaRPr lang="zh-CN" altLang="en-US"/>
           </a:p>
@@ -30968,7 +30965,7 @@
           <a:p>
             <a:fld id="{4052178D-7029-4E5A-BDE7-7463B093413C}" type="datetimeFigureOut">
               <a:rPr lang="zh-CN" altLang="en-US" smtClean="0"/>
-              <a:t>2017/11/1</a:t>
+              <a:t>2017/11/12</a:t>
             </a:fld>
             <a:endParaRPr lang="zh-CN" altLang="en-US"/>
           </a:p>
@@ -31233,7 +31230,7 @@
           <a:p>
             <a:fld id="{4052178D-7029-4E5A-BDE7-7463B093413C}" type="datetimeFigureOut">
               <a:rPr lang="zh-CN" altLang="en-US" smtClean="0"/>
-              <a:t>2017/11/1</a:t>
+              <a:t>2017/11/12</a:t>
             </a:fld>
             <a:endParaRPr lang="zh-CN" altLang="en-US"/>
           </a:p>
@@ -31645,7 +31642,7 @@
           <a:p>
             <a:fld id="{4052178D-7029-4E5A-BDE7-7463B093413C}" type="datetimeFigureOut">
               <a:rPr lang="zh-CN" altLang="en-US" smtClean="0"/>
-              <a:t>2017/11/1</a:t>
+              <a:t>2017/11/12</a:t>
             </a:fld>
             <a:endParaRPr lang="zh-CN" altLang="en-US"/>
           </a:p>
@@ -31786,7 +31783,7 @@
           <a:p>
             <a:fld id="{4052178D-7029-4E5A-BDE7-7463B093413C}" type="datetimeFigureOut">
               <a:rPr lang="zh-CN" altLang="en-US" smtClean="0"/>
-              <a:t>2017/11/1</a:t>
+              <a:t>2017/11/12</a:t>
             </a:fld>
             <a:endParaRPr lang="zh-CN" altLang="en-US"/>
           </a:p>
@@ -31899,7 +31896,7 @@
           <a:p>
             <a:fld id="{4052178D-7029-4E5A-BDE7-7463B093413C}" type="datetimeFigureOut">
               <a:rPr lang="zh-CN" altLang="en-US" smtClean="0"/>
-              <a:t>2017/11/1</a:t>
+              <a:t>2017/11/12</a:t>
             </a:fld>
             <a:endParaRPr lang="zh-CN" altLang="en-US"/>
           </a:p>
@@ -32210,7 +32207,7 @@
           <a:p>
             <a:fld id="{4052178D-7029-4E5A-BDE7-7463B093413C}" type="datetimeFigureOut">
               <a:rPr lang="zh-CN" altLang="en-US" smtClean="0"/>
-              <a:t>2017/11/1</a:t>
+              <a:t>2017/11/12</a:t>
             </a:fld>
             <a:endParaRPr lang="zh-CN" altLang="en-US"/>
           </a:p>
@@ -32498,7 +32495,7 @@
           <a:p>
             <a:fld id="{4052178D-7029-4E5A-BDE7-7463B093413C}" type="datetimeFigureOut">
               <a:rPr lang="zh-CN" altLang="en-US" smtClean="0"/>
-              <a:t>2017/11/1</a:t>
+              <a:t>2017/11/12</a:t>
             </a:fld>
             <a:endParaRPr lang="zh-CN" altLang="en-US"/>
           </a:p>
@@ -32757,7 +32754,7 @@
           <a:p>
             <a:fld id="{4052178D-7029-4E5A-BDE7-7463B093413C}" type="datetimeFigureOut">
               <a:rPr lang="zh-CN" altLang="en-US" smtClean="0"/>
-              <a:t>2017/11/1</a:t>
+              <a:t>2017/11/12</a:t>
             </a:fld>
             <a:endParaRPr lang="zh-CN" altLang="en-US"/>
           </a:p>
@@ -34558,7 +34555,7 @@
           <p:nvPr>
             <p:extLst>
               <p:ext uri="{D42A27DB-BD31-4B8C-83A1-F6EECF244321}">
-                <p14:modId xmlns:p14="http://schemas.microsoft.com/office/powerpoint/2010/main" val="879465313"/>
+                <p14:modId xmlns:p14="http://schemas.microsoft.com/office/powerpoint/2010/main" val="3741721652"/>
               </p:ext>
             </p:extLst>
           </p:nvPr>
@@ -34598,7 +34595,7 @@
                       <a:pPr algn="ctr"/>
                       <a:r>
                         <a:rPr lang="zh-CN" altLang="en-US" sz="2400" dirty="0"/>
-                        <a:t>系统输出项</a:t>
+                        <a:t>主文件数</a:t>
                       </a:r>
                     </a:p>
                   </a:txBody>
@@ -36383,7 +36380,7 @@
         <p:spPr>
           <a:xfrm>
             <a:off x="2338279" y="1946314"/>
-            <a:ext cx="4573267" cy="523220"/>
+            <a:ext cx="5199343" cy="523220"/>
           </a:xfrm>
           <a:prstGeom prst="rect">
             <a:avLst/>
@@ -36423,7 +36420,7 @@
                 <a:ea typeface="微软雅黑" panose="020B0503020204020204" pitchFamily="34" charset="-122"/>
                 <a:cs typeface="Times New Roman" panose="02020603050405020304" pitchFamily="18" charset="0"/>
               </a:rPr>
-              <a:t>FP÷</a:t>
+              <a:t>E=FP÷</a:t>
             </a:r>
             <a:r>
               <a:rPr lang="zh-CN" altLang="en-US" sz="2800" dirty="0">
@@ -42515,7 +42512,7 @@
           <p:nvPr>
             <p:extLst>
               <p:ext uri="{D42A27DB-BD31-4B8C-83A1-F6EECF244321}">
-                <p14:modId xmlns:p14="http://schemas.microsoft.com/office/powerpoint/2010/main" val="2412754556"/>
+                <p14:modId xmlns:p14="http://schemas.microsoft.com/office/powerpoint/2010/main" val="1804229163"/>
               </p:ext>
             </p:extLst>
           </p:nvPr>
